--- a/Unit One/src/com/bayviewglen/daytwo/Introduction to Java programming.pptx
+++ b/Unit One/src/com/bayviewglen/daytwo/Introduction to Java programming.pptx
@@ -372,7 +372,7 @@
             <a:fld id="{B61BEF0D-F0BB-DE4B-95CE-6DB70DBA9567}" type="datetimeFigureOut">
               <a:rPr lang="en-US" dirty="0"/>
               <a:pPr/>
-              <a:t>9/14/2015</a:t>
+              <a:t>9/7/2016</a:t>
             </a:fld>
             <a:endParaRPr lang="en-US" dirty="0"/>
           </a:p>
@@ -631,7 +631,7 @@
             <a:fld id="{B61BEF0D-F0BB-DE4B-95CE-6DB70DBA9567}" type="datetimeFigureOut">
               <a:rPr lang="en-US" dirty="0"/>
               <a:pPr/>
-              <a:t>9/14/2015</a:t>
+              <a:t>9/7/2016</a:t>
             </a:fld>
             <a:endParaRPr lang="en-US" dirty="0"/>
           </a:p>
@@ -863,7 +863,7 @@
             <a:fld id="{B61BEF0D-F0BB-DE4B-95CE-6DB70DBA9567}" type="datetimeFigureOut">
               <a:rPr lang="en-US" dirty="0"/>
               <a:pPr/>
-              <a:t>9/14/2015</a:t>
+              <a:t>9/7/2016</a:t>
             </a:fld>
             <a:endParaRPr lang="en-US" dirty="0"/>
           </a:p>
@@ -1100,7 +1100,7 @@
             <a:fld id="{B61BEF0D-F0BB-DE4B-95CE-6DB70DBA9567}" type="datetimeFigureOut">
               <a:rPr lang="en-US" dirty="0"/>
               <a:pPr/>
-              <a:t>9/14/2015</a:t>
+              <a:t>9/7/2016</a:t>
             </a:fld>
             <a:endParaRPr lang="en-US" dirty="0"/>
           </a:p>
@@ -1404,7 +1404,7 @@
             <a:fld id="{B61BEF0D-F0BB-DE4B-95CE-6DB70DBA9567}" type="datetimeFigureOut">
               <a:rPr lang="en-US" dirty="0"/>
               <a:pPr/>
-              <a:t>9/14/2015</a:t>
+              <a:t>9/7/2016</a:t>
             </a:fld>
             <a:endParaRPr lang="en-US" dirty="0"/>
           </a:p>
@@ -1703,7 +1703,7 @@
             <a:fld id="{B61BEF0D-F0BB-DE4B-95CE-6DB70DBA9567}" type="datetimeFigureOut">
               <a:rPr lang="en-US" dirty="0"/>
               <a:pPr/>
-              <a:t>9/14/2015</a:t>
+              <a:t>9/7/2016</a:t>
             </a:fld>
             <a:endParaRPr lang="en-US" dirty="0"/>
           </a:p>
@@ -2122,7 +2122,7 @@
             <a:fld id="{B61BEF0D-F0BB-DE4B-95CE-6DB70DBA9567}" type="datetimeFigureOut">
               <a:rPr lang="en-US" dirty="0"/>
               <a:pPr/>
-              <a:t>9/14/2015</a:t>
+              <a:t>9/7/2016</a:t>
             </a:fld>
             <a:endParaRPr lang="en-US" dirty="0"/>
           </a:p>
@@ -2214,7 +2214,7 @@
             <a:fld id="{B61BEF0D-F0BB-DE4B-95CE-6DB70DBA9567}" type="datetimeFigureOut">
               <a:rPr lang="en-US" dirty="0"/>
               <a:pPr/>
-              <a:t>9/14/2015</a:t>
+              <a:t>9/7/2016</a:t>
             </a:fld>
             <a:endParaRPr lang="en-US" dirty="0"/>
           </a:p>
@@ -2373,7 +2373,7 @@
             <a:fld id="{B61BEF0D-F0BB-DE4B-95CE-6DB70DBA9567}" type="datetimeFigureOut">
               <a:rPr lang="en-US" dirty="0"/>
               <a:pPr/>
-              <a:t>9/14/2015</a:t>
+              <a:t>9/7/2016</a:t>
             </a:fld>
             <a:endParaRPr lang="en-US" dirty="0"/>
           </a:p>
@@ -2748,7 +2748,7 @@
             <a:fld id="{B61BEF0D-F0BB-DE4B-95CE-6DB70DBA9567}" type="datetimeFigureOut">
               <a:rPr lang="en-US" dirty="0"/>
               <a:pPr/>
-              <a:t>9/14/2015</a:t>
+              <a:t>9/7/2016</a:t>
             </a:fld>
             <a:endParaRPr lang="en-US" dirty="0"/>
           </a:p>
@@ -3034,7 +3034,7 @@
             <a:fld id="{B61BEF0D-F0BB-DE4B-95CE-6DB70DBA9567}" type="datetimeFigureOut">
               <a:rPr lang="en-US" dirty="0"/>
               <a:pPr/>
-              <a:t>9/14/2015</a:t>
+              <a:t>9/7/2016</a:t>
             </a:fld>
             <a:endParaRPr lang="en-US" dirty="0"/>
           </a:p>
@@ -3242,7 +3242,7 @@
             <a:fld id="{B61BEF0D-F0BB-DE4B-95CE-6DB70DBA9567}" type="datetimeFigureOut">
               <a:rPr lang="en-US" dirty="0"/>
               <a:pPr/>
-              <a:t>9/14/2015</a:t>
+              <a:t>9/7/2016</a:t>
             </a:fld>
             <a:endParaRPr lang="en-US" dirty="0"/>
           </a:p>
@@ -4362,12 +4362,12 @@
               <a:t>How many </a:t>
             </a:r>
             <a:r>
-              <a:rPr lang="en-CA" dirty="0" err="1" smtClean="0"/>
-              <a:t>dissferent</a:t>
-            </a:r>
-            <a:r>
               <a:rPr lang="en-CA" dirty="0" smtClean="0"/>
-              <a:t> ways can we display to the console?</a:t>
+              <a:t>different </a:t>
+            </a:r>
+            <a:r>
+              <a:rPr lang="en-CA" dirty="0" smtClean="0"/>
+              <a:t>ways can we display to the console?</a:t>
             </a:r>
             <a:endParaRPr lang="en-CA" dirty="0"/>
           </a:p>
@@ -4574,11 +4574,11 @@
           <a:p>
             <a:r>
               <a:rPr lang="en-CA" dirty="0" smtClean="0"/>
-              <a:t>Eclipse - </a:t>
+              <a:t>Eclipse </a:t>
             </a:r>
             <a:r>
               <a:rPr lang="en-CA" dirty="0" smtClean="0"/>
-              <a:t>MARS</a:t>
+              <a:t>- NEON</a:t>
             </a:r>
             <a:endParaRPr lang="en-CA" dirty="0"/>
           </a:p>
